--- a/발표자료.pptx
+++ b/발표자료.pptx
@@ -3515,7 +3515,7 @@
       </p:sp>
       <p:pic>
         <p:nvPicPr>
-          <p:cNvPr id="7" name="그림 6"/>
+          <p:cNvPr id="11" name="그림 10"/>
           <p:cNvPicPr>
             <a:picLocks noChangeAspect="1"/>
           </p:cNvPicPr>
@@ -3523,13 +3523,13 @@
         </p:nvPicPr>
         <p:blipFill rotWithShape="1">
           <a:blip r:embed="rId2"/>
-          <a:srcRect l="5069" t="23714" r="8264" b="8730"/>
+          <a:srcRect l="6111" t="23696" r="11112" b="4757"/>
           <a:stretch/>
         </p:blipFill>
         <p:spPr>
           <a:xfrm>
-            <a:off x="381000" y="1384299"/>
-            <a:ext cx="11410521" cy="4864101"/>
+            <a:off x="261257" y="1175657"/>
+            <a:ext cx="11654971" cy="5509014"/>
           </a:xfrm>
           <a:prstGeom prst="rect">
             <a:avLst/>
@@ -3573,6 +3573,29 @@
           <a:chExt cx="0" cy="0"/>
         </a:xfrm>
       </p:grpSpPr>
+      <p:pic>
+        <p:nvPicPr>
+          <p:cNvPr id="12" name="그림 11"/>
+          <p:cNvPicPr>
+            <a:picLocks noChangeAspect="1"/>
+          </p:cNvPicPr>
+          <p:nvPr/>
+        </p:nvPicPr>
+        <p:blipFill rotWithShape="1">
+          <a:blip r:embed="rId2"/>
+          <a:srcRect l="6111" t="23696" r="11112" b="4757"/>
+          <a:stretch/>
+        </p:blipFill>
+        <p:spPr>
+          <a:xfrm>
+            <a:off x="5239189" y="1104651"/>
+            <a:ext cx="6372240" cy="5034892"/>
+          </a:xfrm>
+          <a:prstGeom prst="rect">
+            <a:avLst/>
+          </a:prstGeom>
+        </p:spPr>
+      </p:pic>
       <p:sp>
         <p:nvSpPr>
           <p:cNvPr id="5" name="제목 1"/>
@@ -3605,29 +3628,6 @@
           </a:p>
         </p:txBody>
       </p:sp>
-      <p:pic>
-        <p:nvPicPr>
-          <p:cNvPr id="7" name="그림 6"/>
-          <p:cNvPicPr>
-            <a:picLocks noChangeAspect="1"/>
-          </p:cNvPicPr>
-          <p:nvPr/>
-        </p:nvPicPr>
-        <p:blipFill rotWithShape="1">
-          <a:blip r:embed="rId2"/>
-          <a:srcRect l="5069" t="23714" r="8264" b="8730"/>
-          <a:stretch/>
-        </p:blipFill>
-        <p:spPr>
-          <a:xfrm>
-            <a:off x="5067300" y="1384299"/>
-            <a:ext cx="6724221" cy="4864101"/>
-          </a:xfrm>
-          <a:prstGeom prst="rect">
-            <a:avLst/>
-          </a:prstGeom>
-        </p:spPr>
-      </p:pic>
       <p:sp>
         <p:nvSpPr>
           <p:cNvPr id="2" name="직사각형 1"/>
@@ -5229,6 +5229,29 @@
           <a:chExt cx="0" cy="0"/>
         </a:xfrm>
       </p:grpSpPr>
+      <p:pic>
+        <p:nvPicPr>
+          <p:cNvPr id="18" name="그림 17"/>
+          <p:cNvPicPr>
+            <a:picLocks noChangeAspect="1"/>
+          </p:cNvPicPr>
+          <p:nvPr/>
+        </p:nvPicPr>
+        <p:blipFill rotWithShape="1">
+          <a:blip r:embed="rId2"/>
+          <a:srcRect l="6111" t="23696" r="11112" b="4757"/>
+          <a:stretch/>
+        </p:blipFill>
+        <p:spPr>
+          <a:xfrm>
+            <a:off x="5297246" y="1336879"/>
+            <a:ext cx="6372240" cy="5034892"/>
+          </a:xfrm>
+          <a:prstGeom prst="rect">
+            <a:avLst/>
+          </a:prstGeom>
+        </p:spPr>
+      </p:pic>
       <p:sp>
         <p:nvSpPr>
           <p:cNvPr id="5" name="제목 1"/>
@@ -5261,29 +5284,6 @@
           </a:p>
         </p:txBody>
       </p:sp>
-      <p:pic>
-        <p:nvPicPr>
-          <p:cNvPr id="7" name="그림 6"/>
-          <p:cNvPicPr>
-            <a:picLocks noChangeAspect="1"/>
-          </p:cNvPicPr>
-          <p:nvPr/>
-        </p:nvPicPr>
-        <p:blipFill rotWithShape="1">
-          <a:blip r:embed="rId2"/>
-          <a:srcRect l="5069" t="23714" r="8264" b="8730"/>
-          <a:stretch/>
-        </p:blipFill>
-        <p:spPr>
-          <a:xfrm>
-            <a:off x="5067300" y="1384299"/>
-            <a:ext cx="6724221" cy="4864101"/>
-          </a:xfrm>
-          <a:prstGeom prst="rect">
-            <a:avLst/>
-          </a:prstGeom>
-        </p:spPr>
-      </p:pic>
       <p:sp>
         <p:nvSpPr>
           <p:cNvPr id="2" name="직사각형 1"/>
@@ -5347,8 +5347,8 @@
         </p:nvSpPr>
         <p:spPr>
           <a:xfrm>
-            <a:off x="5812971" y="1167493"/>
-            <a:ext cx="5127279" cy="4337630"/>
+            <a:off x="5812971" y="1167492"/>
+            <a:ext cx="5127279" cy="4522107"/>
           </a:xfrm>
           <a:custGeom>
             <a:avLst/>
@@ -7124,6 +7124,29 @@
           <a:chExt cx="0" cy="0"/>
         </a:xfrm>
       </p:grpSpPr>
+      <p:pic>
+        <p:nvPicPr>
+          <p:cNvPr id="15" name="그림 14"/>
+          <p:cNvPicPr>
+            <a:picLocks noChangeAspect="1"/>
+          </p:cNvPicPr>
+          <p:nvPr/>
+        </p:nvPicPr>
+        <p:blipFill rotWithShape="1">
+          <a:blip r:embed="rId2"/>
+          <a:srcRect l="6111" t="23696" r="11112" b="4757"/>
+          <a:stretch/>
+        </p:blipFill>
+        <p:spPr>
+          <a:xfrm>
+            <a:off x="5297246" y="1336879"/>
+            <a:ext cx="6372240" cy="5034892"/>
+          </a:xfrm>
+          <a:prstGeom prst="rect">
+            <a:avLst/>
+          </a:prstGeom>
+        </p:spPr>
+      </p:pic>
       <p:sp>
         <p:nvSpPr>
           <p:cNvPr id="5" name="제목 1"/>
@@ -7156,29 +7179,6 @@
           </a:p>
         </p:txBody>
       </p:sp>
-      <p:pic>
-        <p:nvPicPr>
-          <p:cNvPr id="7" name="그림 6"/>
-          <p:cNvPicPr>
-            <a:picLocks noChangeAspect="1"/>
-          </p:cNvPicPr>
-          <p:nvPr/>
-        </p:nvPicPr>
-        <p:blipFill rotWithShape="1">
-          <a:blip r:embed="rId2"/>
-          <a:srcRect l="5069" t="23714" r="8264" b="8730"/>
-          <a:stretch/>
-        </p:blipFill>
-        <p:spPr>
-          <a:xfrm>
-            <a:off x="5067300" y="1384299"/>
-            <a:ext cx="6724221" cy="4864101"/>
-          </a:xfrm>
-          <a:prstGeom prst="rect">
-            <a:avLst/>
-          </a:prstGeom>
-        </p:spPr>
-      </p:pic>
       <p:sp>
         <p:nvSpPr>
           <p:cNvPr id="2" name="직사각형 1"/>
@@ -7478,7 +7478,7 @@
         </p:nvSpPr>
         <p:spPr>
           <a:xfrm>
-            <a:off x="9379786" y="1522655"/>
+            <a:off x="9418073" y="1961330"/>
             <a:ext cx="247973" cy="263471"/>
           </a:xfrm>
           <a:prstGeom prst="ellipse">
